--- a/NASA/Hayden Webb Poster for Oklahoma Research Day.pptx
+++ b/NASA/Hayden Webb Poster for Oklahoma Research Day.pptx
@@ -4942,7 +4942,7 @@
           <a:p>
             <a:r>
               <a:rPr lang="en-US" dirty="0"/>
-              <a:t>Our thesis is that, while the current state of research has a created a base for the understanding of the CMB, more work is necessary through the use of computer science methods to expand upon the field. Our method of study is a literature review. </a:t>
+              <a:t>Our thesis is that, while the current state of research has created a base for the understanding of the CMB, more work is necessary through the use of computer science methods to expand upon the field. Our method of study is a literature review. </a:t>
             </a:r>
           </a:p>
           <a:p>
@@ -4964,7 +4964,7 @@
             </a:r>
             <a:r>
               <a:rPr lang="en-US" dirty="0"/>
-              <a:t>), we have access to the network and computing power to reproduce some of the analysis completed by this team and then expand on the current body of work.</a:t>
+              <a:t>), we have access to the network and computing power to reproduce some of the analysis and then expand on the current body of work.</a:t>
             </a:r>
           </a:p>
         </p:txBody>
@@ -5118,15 +5118,32 @@
           </a:p>
           <a:p>
             <a:r>
-              <a:rPr lang="en-US" sz="2250" dirty="0">
+              <a:rPr lang="en-US" sz="2400" dirty="0">
+                <a:solidFill>
+                  <a:srgbClr val="0366D6"/>
+                </a:solidFill>
+                <a:latin typeface="-apple-system"/>
                 <a:hlinkClick r:id="rId4"/>
               </a:rPr>
-              <a:t>https://github.com/WebbHayden98/NASA/blob/master/NASA/Notes/Daily.md</a:t>
-            </a:r>
-            <a:endParaRPr lang="en-US" sz="2250" dirty="0"/>
-          </a:p>
-          <a:p>
-            <a:endParaRPr lang="en-US" sz="2250" dirty="0"/>
+              <a:t>http://iopscience.iop.org/article/10.1086/377253/pdf</a:t>
+            </a:r>
+            <a:endParaRPr lang="en-US" sz="2400" dirty="0">
+              <a:solidFill>
+                <a:srgbClr val="0366D6"/>
+              </a:solidFill>
+              <a:latin typeface="-apple-system"/>
+            </a:endParaRPr>
+          </a:p>
+          <a:p>
+            <a:r>
+              <a:rPr lang="en-US" sz="2400" u="sng" dirty="0">
+                <a:solidFill>
+                  <a:schemeClr val="accent1"/>
+                </a:solidFill>
+                <a:latin typeface="-apple-system"/>
+              </a:rPr>
+              <a:t>https://arxiv.org/pdf/1612.05644.pdf</a:t>
+            </a:r>
           </a:p>
         </p:txBody>
       </p:sp>
@@ -5496,13 +5513,16 @@
         </p:spPr>
         <p:txBody>
           <a:bodyPr>
-            <a:normAutofit fontScale="92500" lnSpcReduction="20000"/>
+            <a:normAutofit fontScale="92500" lnSpcReduction="10000"/>
           </a:bodyPr>
           <a:lstStyle/>
           <a:p>
-            <a:r>
-              <a:rPr lang="en-US" dirty="0"/>
-              <a:t>        The Wilkinson Microwave Anisotropy Probe (WMAP) research team is a collaboration between Princeton University and NASA. The group’s first year paper set out to use more precise data than previous projects to test cosmological models. The WMAP enabled the group to more finely test measurement. The paper presented microwave maps in five separate frequency bands. These maps were used to confirm readings gather by COBE (Cosmic Background Explorer). The first-year paper tended to focus on refining and confirming information rather than exploring new avenues. The main take away from the first-year paper is a base line for future research. The group also showed that they can separate the CMB from other cosmological readings to produce a refined single. The more precise data was then used to determine the age, temperature, and size of the universe. In the words of the WMAP team “We have demonstrated the ability to separate the CMB anisotropy from Galactic and extragalactic foregrounds. We provide masks for this purpose. In addition, we have produced CMB maps in which the Galactic signal is minimized” (Hinshaw G. et al. 2003). The WMAP team’s first paper began the first steps to understanding the CMB and using it as a tool. The WMAP continued to refine their work and published a paper roughly every year.</a:t>
+            <a:pPr marL="0" indent="0">
+              <a:buNone/>
+            </a:pPr>
+            <a:r>
+              <a:rPr lang="en-US" dirty="0"/>
+              <a:t>        The Wilkinson Microwave Anisotropy Probe (WMAP) research team is a collaboration between Princeton University and NASA. The group’s first year paper set out to use more precise data than previous projects to test cosmological models. The WMAP enabled the group to more finely test measurements. The paper presented microwave maps in five separate frequency bands. These maps were used to confirm readings gather by COBE (Cosmic Background Explorer). The first-year paper tended to focus on refining and confirming information rather than exploring new avenues. The main take away from the first-year paper was a base line for future research. The group also showed that they can separate the CMB from other cosmological readings to produce a refined signal. The more precise data was then used to determine the age, temperature, and size of the universe. In the words of the WMAP team “We have demonstrated the ability to separate the CMB anisotropy from Galactic and extragalactic foregrounds. We provide masks for this purpose. In addition, we have produced CMB maps in which the Galactic signal is minimized” (Hinshaw G. et al. 2003). The WMAP team’s first-year paper began the first steps to understanding the CMB and using it as a tool. The WMAP team continued to refine their work and published a paper roughly each following year.</a:t>
             </a:r>
           </a:p>
         </p:txBody>
@@ -5585,7 +5605,7 @@
             </a:r>
             <a:r>
               <a:rPr lang="en-US" dirty="0"/>
-              <a:t> (2017). Their paper seeks to discuss the relationship between the CMB and primordial black holes (PBHs). The paper was founded on that current theory that PBHs might comprise some or all of the universes dark matter. The paper looks at the effects of PBHs on the CMB temperature and polarization power spectra. </a:t>
+              <a:t> (2017). Their paper seeks to discuss the relationship between the CMB and primordial black holes (PBHs). The paper was founded on that current theory that PBHs might comprise some or all of the universe’s dark matter. The paper looks at the effects of PBHs on the CMB temperature and polarization power spectra. </a:t>
             </a:r>
             <a:r>
               <a:rPr lang="en-US" dirty="0" err="1"/>
@@ -5647,7 +5667,7 @@
           <a:p>
             <a:r>
               <a:rPr lang="en-US" dirty="0"/>
-              <a:t>The CMB is this residual trace of the creation of the universe. </a:t>
+              <a:t>The CMB is a residual trace of the creation of the universe. </a:t>
             </a:r>
           </a:p>
           <a:p>
@@ -5665,7 +5685,7 @@
           <a:p>
             <a:r>
               <a:rPr lang="en-US" dirty="0"/>
-              <a:t>The CMB is used as a base to take measurements of the universe.</a:t>
+              <a:t>The CMB is used as a standard to take measurements of the universe.</a:t>
             </a:r>
           </a:p>
           <a:p>
@@ -5761,13 +5781,13 @@
           <a:p>
             <a:r>
               <a:rPr lang="en-US" dirty="0"/>
-              <a:t>Later papers are more likely to repeat each other rather than working in connection to affirm and expand on each other.</a:t>
-            </a:r>
-          </a:p>
-          <a:p>
-            <a:r>
-              <a:rPr lang="en-US" dirty="0"/>
-              <a:t>There also appears to be a lack of a base standard for mapping that has been produced as of late.</a:t>
+              <a:t>Modern papers are more likely to repeat each other rather than working in connection to affirm and expand on each other.</a:t>
+            </a:r>
+          </a:p>
+          <a:p>
+            <a:r>
+              <a:rPr lang="en-US" dirty="0"/>
+              <a:t>There also appears to be a lack of a standard for mapping that has been produced as of late.</a:t>
             </a:r>
           </a:p>
           <a:p>

--- a/NASA/Hayden Webb Poster for Oklahoma Research Day.pptx
+++ b/NASA/Hayden Webb Poster for Oklahoma Research Day.pptx
@@ -203,7 +203,7 @@
           <a:p>
             <a:fld id="{F1C0B079-A316-4C9B-B165-DF9EA8325D2C}" type="datetimeFigureOut">
               <a:rPr lang="en-US" smtClean="0"/>
-              <a:t>3/1/2018</a:t>
+              <a:t>2/28/2019</a:t>
             </a:fld>
             <a:endParaRPr lang="en-US"/>
           </a:p>
@@ -368,7 +368,7 @@
           <a:p>
             <a:fld id="{38F28AB8-57D1-494F-9851-055AD867E790}" type="datetimeFigureOut">
               <a:rPr lang="en-US" smtClean="0"/>
-              <a:t>3/1/2018</a:t>
+              <a:t>2/28/2019</a:t>
             </a:fld>
             <a:endParaRPr lang="en-US"/>
           </a:p>
@@ -3916,7 +3916,7 @@
           <a:p>
             <a:fld id="{ECAA57DF-1C19-4726-AB84-014692BAD8F5}" type="datetimeFigureOut">
               <a:rPr lang="en-US" smtClean="0"/>
-              <a:t>3/1/2018</a:t>
+              <a:t>2/28/2019</a:t>
             </a:fld>
             <a:endParaRPr lang="en-US"/>
           </a:p>
@@ -4255,7 +4255,7 @@
             <a:fld id="{ECAA57DF-1C19-4726-AB84-014692BAD8F5}" type="datetimeFigureOut">
               <a:rPr lang="en-US" smtClean="0"/>
               <a:pPr/>
-              <a:t>3/1/2018</a:t>
+              <a:t>2/28/2019</a:t>
             </a:fld>
             <a:endParaRPr lang="en-US"/>
           </a:p>
